--- a/Slides/TF03-HandsOnMnist.pptx
+++ b/Slides/TF03-HandsOnMnist.pptx
@@ -5,13 +5,18 @@
     <p:sldMasterId id="2147483648" r:id="rId1"/>
   </p:sldMasterIdLst>
   <p:notesMasterIdLst>
-    <p:notesMasterId r:id="rId6"/>
+    <p:notesMasterId r:id="rId11"/>
   </p:notesMasterIdLst>
   <p:sldIdLst>
     <p:sldId id="256" r:id="rId2"/>
-    <p:sldId id="264" r:id="rId3"/>
-    <p:sldId id="265" r:id="rId4"/>
-    <p:sldId id="263" r:id="rId5"/>
+    <p:sldId id="265" r:id="rId3"/>
+    <p:sldId id="266" r:id="rId4"/>
+    <p:sldId id="267" r:id="rId5"/>
+    <p:sldId id="268" r:id="rId6"/>
+    <p:sldId id="270" r:id="rId7"/>
+    <p:sldId id="271" r:id="rId8"/>
+    <p:sldId id="269" r:id="rId9"/>
+    <p:sldId id="263" r:id="rId10"/>
   </p:sldIdLst>
   <p:sldSz cx="12192000" cy="6858000"/>
   <p:notesSz cx="6858000" cy="9144000"/>
@@ -4560,7 +4565,84 @@
       </p:grpSpPr>
       <p:sp>
         <p:nvSpPr>
-          <p:cNvPr id="2" name="投影片編號版面配置區 1"/>
+          <p:cNvPr id="2" name="標題 1"/>
+          <p:cNvSpPr>
+            <a:spLocks noGrp="1"/>
+          </p:cNvSpPr>
+          <p:nvPr>
+            <p:ph type="title"/>
+          </p:nvPr>
+        </p:nvSpPr>
+        <p:spPr/>
+        <p:txBody>
+          <a:bodyPr/>
+          <a:lstStyle/>
+          <a:p>
+            <a:r>
+              <a:rPr lang="en-US" altLang="zh-TW" dirty="0" smtClean="0"/>
+              <a:t>Using </a:t>
+            </a:r>
+            <a:r>
+              <a:rPr lang="en-US" altLang="zh-TW" dirty="0" err="1"/>
+              <a:t>tensorflow</a:t>
+            </a:r>
+            <a:endParaRPr lang="zh-TW" altLang="en-US" dirty="0"/>
+          </a:p>
+        </p:txBody>
+      </p:sp>
+      <p:sp>
+        <p:nvSpPr>
+          <p:cNvPr id="3" name="內容版面配置區 2"/>
+          <p:cNvSpPr>
+            <a:spLocks noGrp="1"/>
+          </p:cNvSpPr>
+          <p:nvPr>
+            <p:ph idx="1"/>
+          </p:nvPr>
+        </p:nvSpPr>
+        <p:spPr/>
+        <p:txBody>
+          <a:bodyPr/>
+          <a:lstStyle/>
+          <a:p>
+            <a:r>
+              <a:rPr lang="en-US" altLang="zh-TW" dirty="0"/>
+              <a:t>import </a:t>
+            </a:r>
+            <a:r>
+              <a:rPr lang="en-US" altLang="zh-TW" dirty="0" err="1"/>
+              <a:t>tensorflow</a:t>
+            </a:r>
+            <a:r>
+              <a:rPr lang="en-US" altLang="zh-TW" dirty="0"/>
+              <a:t> as </a:t>
+            </a:r>
+            <a:r>
+              <a:rPr lang="en-US" altLang="zh-TW" dirty="0" err="1"/>
+              <a:t>tf</a:t>
+            </a:r>
+            <a:endParaRPr lang="en-US" altLang="zh-TW" dirty="0"/>
+          </a:p>
+          <a:p>
+            <a:r>
+              <a:rPr lang="en-US" altLang="zh-TW" dirty="0" err="1"/>
+              <a:t>mnist</a:t>
+            </a:r>
+            <a:r>
+              <a:rPr lang="en-US" altLang="zh-TW" dirty="0"/>
+              <a:t> = </a:t>
+            </a:r>
+            <a:r>
+              <a:rPr lang="en-US" altLang="zh-TW" dirty="0" err="1"/>
+              <a:t>tf.keras.datasets.mnist</a:t>
+            </a:r>
+            <a:endParaRPr lang="zh-TW" altLang="en-US" dirty="0"/>
+          </a:p>
+        </p:txBody>
+      </p:sp>
+      <p:sp>
+        <p:nvSpPr>
+          <p:cNvPr id="4" name="投影片編號版面配置區 3"/>
           <p:cNvSpPr>
             <a:spLocks noGrp="1"/>
           </p:cNvSpPr>
@@ -4575,20 +4657,17 @@
           <a:p>
             <a:fld id="{3509413B-C25F-4AD9-A20B-1B2BD8F7869A}" type="slidenum">
               <a:rPr lang="en-US" smtClean="0"/>
+              <a:pPr/>
               <a:t>2</a:t>
             </a:fld>
-            <a:r>
-              <a:rPr lang="en-US" altLang="zh-TW" smtClean="0"/>
-              <a:t>/9</a:t>
-            </a:r>
-            <a:endParaRPr lang="en-US" dirty="0"/>
+            <a:endParaRPr lang="en-US"/>
           </a:p>
         </p:txBody>
       </p:sp>
     </p:spTree>
     <p:extLst>
       <p:ext uri="{BB962C8B-B14F-4D97-AF65-F5344CB8AC3E}">
-        <p14:creationId xmlns:p14="http://schemas.microsoft.com/office/powerpoint/2010/main" val="4277341387"/>
+        <p14:creationId xmlns:p14="http://schemas.microsoft.com/office/powerpoint/2010/main" val="3354210602"/>
       </p:ext>
     </p:extLst>
   </p:cSld>
@@ -4630,6 +4709,18 @@
           <a:bodyPr/>
           <a:lstStyle/>
           <a:p>
+            <a:r>
+              <a:rPr lang="en-US" altLang="zh-TW" dirty="0" smtClean="0"/>
+              <a:t>Load </a:t>
+            </a:r>
+            <a:r>
+              <a:rPr lang="en-US" altLang="zh-TW" dirty="0" err="1" smtClean="0"/>
+              <a:t>Mnist</a:t>
+            </a:r>
+            <a:r>
+              <a:rPr lang="en-US" altLang="zh-TW" dirty="0" smtClean="0"/>
+              <a:t> dataset</a:t>
+            </a:r>
             <a:endParaRPr lang="zh-TW" altLang="en-US" dirty="0"/>
           </a:p>
         </p:txBody>
@@ -4644,33 +4735,83 @@
             <p:ph idx="1"/>
           </p:nvPr>
         </p:nvSpPr>
-        <p:spPr/>
+        <p:spPr>
+          <a:xfrm>
+            <a:off x="609600" y="1600201"/>
+            <a:ext cx="11201400" cy="4525963"/>
+          </a:xfrm>
+        </p:spPr>
         <p:txBody>
           <a:bodyPr/>
           <a:lstStyle/>
           <a:p>
             <a:r>
               <a:rPr lang="en-US" altLang="zh-TW" dirty="0"/>
-              <a:t>import </a:t>
+              <a:t>(</a:t>
             </a:r>
             <a:r>
               <a:rPr lang="en-US" altLang="zh-TW" dirty="0" err="1"/>
-              <a:t>tensorflow</a:t>
+              <a:t>x_train</a:t>
             </a:r>
             <a:r>
               <a:rPr lang="en-US" altLang="zh-TW" dirty="0"/>
-              <a:t> as </a:t>
+              <a:t>, </a:t>
             </a:r>
             <a:r>
               <a:rPr lang="en-US" altLang="zh-TW" dirty="0" err="1"/>
-              <a:t>tf</a:t>
-            </a:r>
-            <a:endParaRPr lang="en-US" altLang="zh-TW" dirty="0"/>
-          </a:p>
-          <a:p>
+              <a:t>y_train</a:t>
+            </a:r>
+            <a:r>
+              <a:rPr lang="en-US" altLang="zh-TW" dirty="0"/>
+              <a:t>),(</a:t>
+            </a:r>
             <a:r>
               <a:rPr lang="en-US" altLang="zh-TW" dirty="0" err="1"/>
-              <a:t>mnist</a:t>
+              <a:t>x_test</a:t>
+            </a:r>
+            <a:r>
+              <a:rPr lang="en-US" altLang="zh-TW" dirty="0"/>
+              <a:t>, </a:t>
+            </a:r>
+            <a:r>
+              <a:rPr lang="en-US" altLang="zh-TW" dirty="0" err="1"/>
+              <a:t>y_test</a:t>
+            </a:r>
+            <a:r>
+              <a:rPr lang="en-US" altLang="zh-TW" dirty="0"/>
+              <a:t>) = </a:t>
+            </a:r>
+            <a:r>
+              <a:rPr lang="en-US" altLang="zh-TW" dirty="0" err="1"/>
+              <a:t>mnist.load_data</a:t>
+            </a:r>
+            <a:r>
+              <a:rPr lang="en-US" altLang="zh-TW" dirty="0" smtClean="0"/>
+              <a:t>()</a:t>
+            </a:r>
+          </a:p>
+          <a:p>
+            <a:r>
+              <a:rPr lang="en-US" altLang="zh-TW" dirty="0" err="1"/>
+              <a:t>x_train</a:t>
+            </a:r>
+            <a:r>
+              <a:rPr lang="en-US" altLang="zh-TW" dirty="0"/>
+              <a:t>[0].shape</a:t>
+            </a:r>
+          </a:p>
+          <a:p>
+            <a:r>
+              <a:rPr lang="en-US" altLang="zh-TW" dirty="0" err="1"/>
+              <a:t>x_train</a:t>
+            </a:r>
+            <a:r>
+              <a:rPr lang="en-US" altLang="zh-TW" dirty="0"/>
+              <a:t>, </a:t>
+            </a:r>
+            <a:r>
+              <a:rPr lang="en-US" altLang="zh-TW" dirty="0" err="1"/>
+              <a:t>x_test</a:t>
             </a:r>
             <a:r>
               <a:rPr lang="en-US" altLang="zh-TW" dirty="0"/>
@@ -4678,7 +4819,19 @@
             </a:r>
             <a:r>
               <a:rPr lang="en-US" altLang="zh-TW" dirty="0" err="1"/>
-              <a:t>tf.keras.datasets.mnist</a:t>
+              <a:t>x_train</a:t>
+            </a:r>
+            <a:r>
+              <a:rPr lang="en-US" altLang="zh-TW" dirty="0"/>
+              <a:t> / 255.0, </a:t>
+            </a:r>
+            <a:r>
+              <a:rPr lang="en-US" altLang="zh-TW" dirty="0" err="1"/>
+              <a:t>x_test</a:t>
+            </a:r>
+            <a:r>
+              <a:rPr lang="en-US" altLang="zh-TW" dirty="0"/>
+              <a:t> / 255.0</a:t>
             </a:r>
             <a:endParaRPr lang="zh-TW" altLang="en-US" dirty="0"/>
           </a:p>
@@ -4711,7 +4864,7 @@
     </p:spTree>
     <p:extLst>
       <p:ext uri="{BB962C8B-B14F-4D97-AF65-F5344CB8AC3E}">
-        <p14:creationId xmlns:p14="http://schemas.microsoft.com/office/powerpoint/2010/main" val="3354210602"/>
+        <p14:creationId xmlns:p14="http://schemas.microsoft.com/office/powerpoint/2010/main" val="1150408419"/>
       </p:ext>
     </p:extLst>
   </p:cSld>
@@ -4740,6 +4893,682 @@
       </p:grpSpPr>
       <p:sp>
         <p:nvSpPr>
+          <p:cNvPr id="2" name="標題 1"/>
+          <p:cNvSpPr>
+            <a:spLocks noGrp="1"/>
+          </p:cNvSpPr>
+          <p:nvPr>
+            <p:ph type="title"/>
+          </p:nvPr>
+        </p:nvSpPr>
+        <p:spPr/>
+        <p:txBody>
+          <a:bodyPr/>
+          <a:lstStyle/>
+          <a:p>
+            <a:r>
+              <a:rPr lang="en-US" altLang="zh-TW" dirty="0" smtClean="0"/>
+              <a:t>Build DNN model</a:t>
+            </a:r>
+            <a:endParaRPr lang="zh-TW" altLang="en-US" dirty="0"/>
+          </a:p>
+        </p:txBody>
+      </p:sp>
+      <p:sp>
+        <p:nvSpPr>
+          <p:cNvPr id="3" name="內容版面配置區 2"/>
+          <p:cNvSpPr>
+            <a:spLocks noGrp="1"/>
+          </p:cNvSpPr>
+          <p:nvPr>
+            <p:ph idx="1"/>
+          </p:nvPr>
+        </p:nvSpPr>
+        <p:spPr/>
+        <p:txBody>
+          <a:bodyPr>
+            <a:normAutofit fontScale="92500" lnSpcReduction="20000"/>
+          </a:bodyPr>
+          <a:lstStyle/>
+          <a:p>
+            <a:r>
+              <a:rPr lang="en-US" altLang="zh-TW" dirty="0"/>
+              <a:t>model = </a:t>
+            </a:r>
+            <a:r>
+              <a:rPr lang="en-US" altLang="zh-TW" dirty="0" err="1"/>
+              <a:t>tf.keras.models.Sequential</a:t>
+            </a:r>
+            <a:r>
+              <a:rPr lang="en-US" altLang="zh-TW" dirty="0"/>
+              <a:t>([</a:t>
+            </a:r>
+          </a:p>
+          <a:p>
+            <a:r>
+              <a:rPr lang="en-US" altLang="zh-TW" dirty="0"/>
+              <a:t>  </a:t>
+            </a:r>
+            <a:r>
+              <a:rPr lang="en-US" altLang="zh-TW" dirty="0" err="1"/>
+              <a:t>tf.keras.layers.Flatten</a:t>
+            </a:r>
+            <a:r>
+              <a:rPr lang="en-US" altLang="zh-TW" dirty="0"/>
+              <a:t>(</a:t>
+            </a:r>
+            <a:r>
+              <a:rPr lang="en-US" altLang="zh-TW" dirty="0" err="1"/>
+              <a:t>input_shape</a:t>
+            </a:r>
+            <a:r>
+              <a:rPr lang="en-US" altLang="zh-TW" dirty="0"/>
+              <a:t>=(28, 28)),</a:t>
+            </a:r>
+          </a:p>
+          <a:p>
+            <a:r>
+              <a:rPr lang="en-US" altLang="zh-TW" dirty="0"/>
+              <a:t>  </a:t>
+            </a:r>
+            <a:r>
+              <a:rPr lang="en-US" altLang="zh-TW" dirty="0" err="1"/>
+              <a:t>tf.keras.layers.Dense</a:t>
+            </a:r>
+            <a:r>
+              <a:rPr lang="en-US" altLang="zh-TW" dirty="0"/>
+              <a:t>(128, activation='</a:t>
+            </a:r>
+            <a:r>
+              <a:rPr lang="en-US" altLang="zh-TW" dirty="0" err="1"/>
+              <a:t>relu</a:t>
+            </a:r>
+            <a:r>
+              <a:rPr lang="en-US" altLang="zh-TW" dirty="0"/>
+              <a:t>'),</a:t>
+            </a:r>
+          </a:p>
+          <a:p>
+            <a:r>
+              <a:rPr lang="en-US" altLang="zh-TW" dirty="0"/>
+              <a:t>  </a:t>
+            </a:r>
+            <a:r>
+              <a:rPr lang="en-US" altLang="zh-TW" dirty="0" err="1"/>
+              <a:t>tf.keras.layers.Dropout</a:t>
+            </a:r>
+            <a:r>
+              <a:rPr lang="en-US" altLang="zh-TW" dirty="0"/>
+              <a:t>(0.2),</a:t>
+            </a:r>
+          </a:p>
+          <a:p>
+            <a:r>
+              <a:rPr lang="en-US" altLang="zh-TW" dirty="0"/>
+              <a:t>  </a:t>
+            </a:r>
+            <a:r>
+              <a:rPr lang="en-US" altLang="zh-TW" dirty="0" err="1"/>
+              <a:t>tf.keras.layers.Dense</a:t>
+            </a:r>
+            <a:r>
+              <a:rPr lang="en-US" altLang="zh-TW" dirty="0"/>
+              <a:t>(10, activation='</a:t>
+            </a:r>
+            <a:r>
+              <a:rPr lang="en-US" altLang="zh-TW" dirty="0" err="1"/>
+              <a:t>softmax</a:t>
+            </a:r>
+            <a:r>
+              <a:rPr lang="en-US" altLang="zh-TW" dirty="0"/>
+              <a:t>')</a:t>
+            </a:r>
+          </a:p>
+          <a:p>
+            <a:r>
+              <a:rPr lang="en-US" altLang="zh-TW" dirty="0" smtClean="0"/>
+              <a:t>])</a:t>
+            </a:r>
+          </a:p>
+          <a:p>
+            <a:r>
+              <a:rPr lang="en-US" altLang="zh-TW" dirty="0" err="1"/>
+              <a:t>model.compile</a:t>
+            </a:r>
+            <a:r>
+              <a:rPr lang="en-US" altLang="zh-TW" dirty="0"/>
+              <a:t>(optimizer='</a:t>
+            </a:r>
+            <a:r>
+              <a:rPr lang="en-US" altLang="zh-TW" dirty="0" err="1"/>
+              <a:t>adam</a:t>
+            </a:r>
+            <a:r>
+              <a:rPr lang="en-US" altLang="zh-TW" dirty="0"/>
+              <a:t>',</a:t>
+            </a:r>
+          </a:p>
+          <a:p>
+            <a:r>
+              <a:rPr lang="en-US" altLang="zh-TW" dirty="0"/>
+              <a:t>              loss='</a:t>
+            </a:r>
+            <a:r>
+              <a:rPr lang="en-US" altLang="zh-TW" dirty="0" err="1"/>
+              <a:t>sparse_categorical_crossentropy</a:t>
+            </a:r>
+            <a:r>
+              <a:rPr lang="en-US" altLang="zh-TW" dirty="0"/>
+              <a:t>',</a:t>
+            </a:r>
+          </a:p>
+          <a:p>
+            <a:r>
+              <a:rPr lang="en-US" altLang="zh-TW" dirty="0"/>
+              <a:t>              metrics=['accuracy'])</a:t>
+            </a:r>
+            <a:endParaRPr lang="zh-TW" altLang="en-US" dirty="0"/>
+          </a:p>
+        </p:txBody>
+      </p:sp>
+      <p:sp>
+        <p:nvSpPr>
+          <p:cNvPr id="4" name="投影片編號版面配置區 3"/>
+          <p:cNvSpPr>
+            <a:spLocks noGrp="1"/>
+          </p:cNvSpPr>
+          <p:nvPr>
+            <p:ph type="sldNum" sz="quarter" idx="12"/>
+          </p:nvPr>
+        </p:nvSpPr>
+        <p:spPr/>
+        <p:txBody>
+          <a:bodyPr/>
+          <a:lstStyle/>
+          <a:p>
+            <a:fld id="{3509413B-C25F-4AD9-A20B-1B2BD8F7869A}" type="slidenum">
+              <a:rPr lang="en-US" smtClean="0"/>
+              <a:pPr/>
+              <a:t>4</a:t>
+            </a:fld>
+            <a:endParaRPr lang="en-US"/>
+          </a:p>
+        </p:txBody>
+      </p:sp>
+    </p:spTree>
+    <p:extLst>
+      <p:ext uri="{BB962C8B-B14F-4D97-AF65-F5344CB8AC3E}">
+        <p14:creationId xmlns:p14="http://schemas.microsoft.com/office/powerpoint/2010/main" val="2772154369"/>
+      </p:ext>
+    </p:extLst>
+  </p:cSld>
+  <p:clrMapOvr>
+    <a:masterClrMapping/>
+  </p:clrMapOvr>
+</p:sld>
+</file>
+
+<file path=ppt/slides/slide5.xml><?xml version="1.0" encoding="utf-8"?>
+<p:sld xmlns:a="http://schemas.openxmlformats.org/drawingml/2006/main" xmlns:r="http://schemas.openxmlformats.org/officeDocument/2006/relationships" xmlns:p="http://schemas.openxmlformats.org/presentationml/2006/main">
+  <p:cSld>
+    <p:spTree>
+      <p:nvGrpSpPr>
+        <p:cNvPr id="1" name=""/>
+        <p:cNvGrpSpPr/>
+        <p:nvPr/>
+      </p:nvGrpSpPr>
+      <p:grpSpPr>
+        <a:xfrm>
+          <a:off x="0" y="0"/>
+          <a:ext cx="0" cy="0"/>
+          <a:chOff x="0" y="0"/>
+          <a:chExt cx="0" cy="0"/>
+        </a:xfrm>
+      </p:grpSpPr>
+      <p:sp>
+        <p:nvSpPr>
+          <p:cNvPr id="2" name="標題 1"/>
+          <p:cNvSpPr>
+            <a:spLocks noGrp="1"/>
+          </p:cNvSpPr>
+          <p:nvPr>
+            <p:ph type="title"/>
+          </p:nvPr>
+        </p:nvSpPr>
+        <p:spPr/>
+        <p:txBody>
+          <a:bodyPr/>
+          <a:lstStyle/>
+          <a:p>
+            <a:r>
+              <a:rPr lang="en-US" altLang="zh-TW" dirty="0" smtClean="0"/>
+              <a:t>Training DNN </a:t>
+            </a:r>
+            <a:r>
+              <a:rPr lang="en-US" altLang="zh-TW" dirty="0"/>
+              <a:t>model</a:t>
+            </a:r>
+            <a:endParaRPr lang="zh-TW" altLang="en-US" dirty="0"/>
+          </a:p>
+        </p:txBody>
+      </p:sp>
+      <p:sp>
+        <p:nvSpPr>
+          <p:cNvPr id="3" name="內容版面配置區 2"/>
+          <p:cNvSpPr>
+            <a:spLocks noGrp="1"/>
+          </p:cNvSpPr>
+          <p:nvPr>
+            <p:ph idx="1"/>
+          </p:nvPr>
+        </p:nvSpPr>
+        <p:spPr/>
+        <p:txBody>
+          <a:bodyPr/>
+          <a:lstStyle/>
+          <a:p>
+            <a:r>
+              <a:rPr lang="en-US" altLang="zh-TW" dirty="0" err="1"/>
+              <a:t>model.fit</a:t>
+            </a:r>
+            <a:r>
+              <a:rPr lang="en-US" altLang="zh-TW" dirty="0"/>
+              <a:t>(</a:t>
+            </a:r>
+            <a:r>
+              <a:rPr lang="en-US" altLang="zh-TW" dirty="0" err="1"/>
+              <a:t>x_train</a:t>
+            </a:r>
+            <a:r>
+              <a:rPr lang="en-US" altLang="zh-TW" dirty="0"/>
+              <a:t>, </a:t>
+            </a:r>
+            <a:r>
+              <a:rPr lang="en-US" altLang="zh-TW" dirty="0" err="1"/>
+              <a:t>y_train</a:t>
+            </a:r>
+            <a:r>
+              <a:rPr lang="en-US" altLang="zh-TW" dirty="0"/>
+              <a:t>, epochs=5)</a:t>
+            </a:r>
+          </a:p>
+          <a:p>
+            <a:r>
+              <a:rPr lang="en-US" altLang="zh-TW" dirty="0" err="1"/>
+              <a:t>model.evaluate</a:t>
+            </a:r>
+            <a:r>
+              <a:rPr lang="en-US" altLang="zh-TW" dirty="0"/>
+              <a:t>(</a:t>
+            </a:r>
+            <a:r>
+              <a:rPr lang="en-US" altLang="zh-TW" dirty="0" err="1"/>
+              <a:t>x_test</a:t>
+            </a:r>
+            <a:r>
+              <a:rPr lang="en-US" altLang="zh-TW" dirty="0"/>
+              <a:t>, </a:t>
+            </a:r>
+            <a:r>
+              <a:rPr lang="en-US" altLang="zh-TW" dirty="0" err="1"/>
+              <a:t>y_test</a:t>
+            </a:r>
+            <a:r>
+              <a:rPr lang="en-US" altLang="zh-TW" dirty="0"/>
+              <a:t>)</a:t>
+            </a:r>
+            <a:endParaRPr lang="zh-TW" altLang="en-US" dirty="0"/>
+          </a:p>
+        </p:txBody>
+      </p:sp>
+      <p:sp>
+        <p:nvSpPr>
+          <p:cNvPr id="4" name="投影片編號版面配置區 3"/>
+          <p:cNvSpPr>
+            <a:spLocks noGrp="1"/>
+          </p:cNvSpPr>
+          <p:nvPr>
+            <p:ph type="sldNum" sz="quarter" idx="12"/>
+          </p:nvPr>
+        </p:nvSpPr>
+        <p:spPr/>
+        <p:txBody>
+          <a:bodyPr/>
+          <a:lstStyle/>
+          <a:p>
+            <a:fld id="{3509413B-C25F-4AD9-A20B-1B2BD8F7869A}" type="slidenum">
+              <a:rPr lang="en-US" smtClean="0"/>
+              <a:pPr/>
+              <a:t>5</a:t>
+            </a:fld>
+            <a:endParaRPr lang="en-US"/>
+          </a:p>
+        </p:txBody>
+      </p:sp>
+    </p:spTree>
+    <p:extLst>
+      <p:ext uri="{BB962C8B-B14F-4D97-AF65-F5344CB8AC3E}">
+        <p14:creationId xmlns:p14="http://schemas.microsoft.com/office/powerpoint/2010/main" val="3157900307"/>
+      </p:ext>
+    </p:extLst>
+  </p:cSld>
+  <p:clrMapOvr>
+    <a:masterClrMapping/>
+  </p:clrMapOvr>
+</p:sld>
+</file>
+
+<file path=ppt/slides/slide6.xml><?xml version="1.0" encoding="utf-8"?>
+<p:sld xmlns:a="http://schemas.openxmlformats.org/drawingml/2006/main" xmlns:r="http://schemas.openxmlformats.org/officeDocument/2006/relationships" xmlns:p="http://schemas.openxmlformats.org/presentationml/2006/main">
+  <p:cSld>
+    <p:spTree>
+      <p:nvGrpSpPr>
+        <p:cNvPr id="1" name=""/>
+        <p:cNvGrpSpPr/>
+        <p:nvPr/>
+      </p:nvGrpSpPr>
+      <p:grpSpPr>
+        <a:xfrm>
+          <a:off x="0" y="0"/>
+          <a:ext cx="0" cy="0"/>
+          <a:chOff x="0" y="0"/>
+          <a:chExt cx="0" cy="0"/>
+        </a:xfrm>
+      </p:grpSpPr>
+      <p:sp>
+        <p:nvSpPr>
+          <p:cNvPr id="2" name="標題 1"/>
+          <p:cNvSpPr>
+            <a:spLocks noGrp="1"/>
+          </p:cNvSpPr>
+          <p:nvPr>
+            <p:ph type="title"/>
+          </p:nvPr>
+        </p:nvSpPr>
+        <p:spPr/>
+        <p:txBody>
+          <a:bodyPr/>
+          <a:lstStyle/>
+          <a:p>
+            <a:r>
+              <a:rPr lang="en-US" altLang="zh-TW" dirty="0" smtClean="0"/>
+              <a:t>Save DNN model</a:t>
+            </a:r>
+            <a:endParaRPr lang="zh-TW" altLang="en-US" dirty="0"/>
+          </a:p>
+        </p:txBody>
+      </p:sp>
+      <p:sp>
+        <p:nvSpPr>
+          <p:cNvPr id="3" name="內容版面配置區 2"/>
+          <p:cNvSpPr>
+            <a:spLocks noGrp="1"/>
+          </p:cNvSpPr>
+          <p:nvPr>
+            <p:ph idx="1"/>
+          </p:nvPr>
+        </p:nvSpPr>
+        <p:spPr/>
+        <p:txBody>
+          <a:bodyPr/>
+          <a:lstStyle/>
+          <a:p>
+            <a:r>
+              <a:rPr lang="en-US" altLang="zh-TW" dirty="0" err="1"/>
+              <a:t>model.save</a:t>
+            </a:r>
+            <a:r>
+              <a:rPr lang="en-US" altLang="zh-TW" dirty="0"/>
+              <a:t>('my_model.h5')</a:t>
+            </a:r>
+            <a:endParaRPr lang="zh-TW" altLang="en-US" dirty="0"/>
+          </a:p>
+        </p:txBody>
+      </p:sp>
+      <p:sp>
+        <p:nvSpPr>
+          <p:cNvPr id="4" name="投影片編號版面配置區 3"/>
+          <p:cNvSpPr>
+            <a:spLocks noGrp="1"/>
+          </p:cNvSpPr>
+          <p:nvPr>
+            <p:ph type="sldNum" sz="quarter" idx="12"/>
+          </p:nvPr>
+        </p:nvSpPr>
+        <p:spPr/>
+        <p:txBody>
+          <a:bodyPr/>
+          <a:lstStyle/>
+          <a:p>
+            <a:fld id="{3509413B-C25F-4AD9-A20B-1B2BD8F7869A}" type="slidenum">
+              <a:rPr lang="en-US" smtClean="0"/>
+              <a:pPr/>
+              <a:t>6</a:t>
+            </a:fld>
+            <a:endParaRPr lang="en-US"/>
+          </a:p>
+        </p:txBody>
+      </p:sp>
+    </p:spTree>
+    <p:extLst>
+      <p:ext uri="{BB962C8B-B14F-4D97-AF65-F5344CB8AC3E}">
+        <p14:creationId xmlns:p14="http://schemas.microsoft.com/office/powerpoint/2010/main" val="1772669022"/>
+      </p:ext>
+    </p:extLst>
+  </p:cSld>
+  <p:clrMapOvr>
+    <a:masterClrMapping/>
+  </p:clrMapOvr>
+</p:sld>
+</file>
+
+<file path=ppt/slides/slide7.xml><?xml version="1.0" encoding="utf-8"?>
+<p:sld xmlns:a="http://schemas.openxmlformats.org/drawingml/2006/main" xmlns:r="http://schemas.openxmlformats.org/officeDocument/2006/relationships" xmlns:p="http://schemas.openxmlformats.org/presentationml/2006/main">
+  <p:cSld>
+    <p:spTree>
+      <p:nvGrpSpPr>
+        <p:cNvPr id="1" name=""/>
+        <p:cNvGrpSpPr/>
+        <p:nvPr/>
+      </p:nvGrpSpPr>
+      <p:grpSpPr>
+        <a:xfrm>
+          <a:off x="0" y="0"/>
+          <a:ext cx="0" cy="0"/>
+          <a:chOff x="0" y="0"/>
+          <a:chExt cx="0" cy="0"/>
+        </a:xfrm>
+      </p:grpSpPr>
+      <p:sp>
+        <p:nvSpPr>
+          <p:cNvPr id="2" name="標題 1"/>
+          <p:cNvSpPr>
+            <a:spLocks noGrp="1"/>
+          </p:cNvSpPr>
+          <p:nvPr>
+            <p:ph type="title"/>
+          </p:nvPr>
+        </p:nvSpPr>
+        <p:spPr/>
+        <p:txBody>
+          <a:bodyPr/>
+          <a:lstStyle/>
+          <a:p>
+            <a:endParaRPr lang="zh-TW" altLang="en-US"/>
+          </a:p>
+        </p:txBody>
+      </p:sp>
+      <p:sp>
+        <p:nvSpPr>
+          <p:cNvPr id="3" name="內容版面配置區 2"/>
+          <p:cNvSpPr>
+            <a:spLocks noGrp="1"/>
+          </p:cNvSpPr>
+          <p:nvPr>
+            <p:ph idx="1"/>
+          </p:nvPr>
+        </p:nvSpPr>
+        <p:spPr/>
+        <p:txBody>
+          <a:bodyPr/>
+          <a:lstStyle/>
+          <a:p>
+            <a:endParaRPr lang="zh-TW" altLang="en-US"/>
+          </a:p>
+        </p:txBody>
+      </p:sp>
+      <p:sp>
+        <p:nvSpPr>
+          <p:cNvPr id="4" name="投影片編號版面配置區 3"/>
+          <p:cNvSpPr>
+            <a:spLocks noGrp="1"/>
+          </p:cNvSpPr>
+          <p:nvPr>
+            <p:ph type="sldNum" sz="quarter" idx="12"/>
+          </p:nvPr>
+        </p:nvSpPr>
+        <p:spPr/>
+        <p:txBody>
+          <a:bodyPr/>
+          <a:lstStyle/>
+          <a:p>
+            <a:fld id="{3509413B-C25F-4AD9-A20B-1B2BD8F7869A}" type="slidenum">
+              <a:rPr lang="en-US" smtClean="0"/>
+              <a:pPr/>
+              <a:t>7</a:t>
+            </a:fld>
+            <a:endParaRPr lang="en-US"/>
+          </a:p>
+        </p:txBody>
+      </p:sp>
+    </p:spTree>
+    <p:extLst>
+      <p:ext uri="{BB962C8B-B14F-4D97-AF65-F5344CB8AC3E}">
+        <p14:creationId xmlns:p14="http://schemas.microsoft.com/office/powerpoint/2010/main" val="3212709990"/>
+      </p:ext>
+    </p:extLst>
+  </p:cSld>
+  <p:clrMapOvr>
+    <a:masterClrMapping/>
+  </p:clrMapOvr>
+</p:sld>
+</file>
+
+<file path=ppt/slides/slide8.xml><?xml version="1.0" encoding="utf-8"?>
+<p:sld xmlns:a="http://schemas.openxmlformats.org/drawingml/2006/main" xmlns:r="http://schemas.openxmlformats.org/officeDocument/2006/relationships" xmlns:p="http://schemas.openxmlformats.org/presentationml/2006/main">
+  <p:cSld>
+    <p:spTree>
+      <p:nvGrpSpPr>
+        <p:cNvPr id="1" name=""/>
+        <p:cNvGrpSpPr/>
+        <p:nvPr/>
+      </p:nvGrpSpPr>
+      <p:grpSpPr>
+        <a:xfrm>
+          <a:off x="0" y="0"/>
+          <a:ext cx="0" cy="0"/>
+          <a:chOff x="0" y="0"/>
+          <a:chExt cx="0" cy="0"/>
+        </a:xfrm>
+      </p:grpSpPr>
+      <p:sp>
+        <p:nvSpPr>
+          <p:cNvPr id="2" name="標題 1"/>
+          <p:cNvSpPr>
+            <a:spLocks noGrp="1"/>
+          </p:cNvSpPr>
+          <p:nvPr>
+            <p:ph type="title"/>
+          </p:nvPr>
+        </p:nvSpPr>
+        <p:spPr/>
+        <p:txBody>
+          <a:bodyPr/>
+          <a:lstStyle/>
+          <a:p>
+            <a:r>
+              <a:rPr lang="en-US" altLang="zh-TW" dirty="0" smtClean="0"/>
+              <a:t>Test a single image</a:t>
+            </a:r>
+            <a:endParaRPr lang="zh-TW" altLang="en-US" dirty="0"/>
+          </a:p>
+        </p:txBody>
+      </p:sp>
+      <p:sp>
+        <p:nvSpPr>
+          <p:cNvPr id="3" name="內容版面配置區 2"/>
+          <p:cNvSpPr>
+            <a:spLocks noGrp="1"/>
+          </p:cNvSpPr>
+          <p:nvPr>
+            <p:ph idx="1"/>
+          </p:nvPr>
+        </p:nvSpPr>
+        <p:spPr/>
+        <p:txBody>
+          <a:bodyPr/>
+          <a:lstStyle/>
+          <a:p>
+            <a:endParaRPr lang="zh-TW" altLang="en-US"/>
+          </a:p>
+        </p:txBody>
+      </p:sp>
+      <p:sp>
+        <p:nvSpPr>
+          <p:cNvPr id="4" name="投影片編號版面配置區 3"/>
+          <p:cNvSpPr>
+            <a:spLocks noGrp="1"/>
+          </p:cNvSpPr>
+          <p:nvPr>
+            <p:ph type="sldNum" sz="quarter" idx="12"/>
+          </p:nvPr>
+        </p:nvSpPr>
+        <p:spPr/>
+        <p:txBody>
+          <a:bodyPr/>
+          <a:lstStyle/>
+          <a:p>
+            <a:fld id="{3509413B-C25F-4AD9-A20B-1B2BD8F7869A}" type="slidenum">
+              <a:rPr lang="en-US" smtClean="0"/>
+              <a:pPr/>
+              <a:t>8</a:t>
+            </a:fld>
+            <a:endParaRPr lang="en-US"/>
+          </a:p>
+        </p:txBody>
+      </p:sp>
+    </p:spTree>
+    <p:extLst>
+      <p:ext uri="{BB962C8B-B14F-4D97-AF65-F5344CB8AC3E}">
+        <p14:creationId xmlns:p14="http://schemas.microsoft.com/office/powerpoint/2010/main" val="1082581612"/>
+      </p:ext>
+    </p:extLst>
+  </p:cSld>
+  <p:clrMapOvr>
+    <a:masterClrMapping/>
+  </p:clrMapOvr>
+</p:sld>
+</file>
+
+<file path=ppt/slides/slide9.xml><?xml version="1.0" encoding="utf-8"?>
+<p:sld xmlns:a="http://schemas.openxmlformats.org/drawingml/2006/main" xmlns:r="http://schemas.openxmlformats.org/officeDocument/2006/relationships" xmlns:p="http://schemas.openxmlformats.org/presentationml/2006/main">
+  <p:cSld>
+    <p:spTree>
+      <p:nvGrpSpPr>
+        <p:cNvPr id="1" name=""/>
+        <p:cNvGrpSpPr/>
+        <p:nvPr/>
+      </p:nvGrpSpPr>
+      <p:grpSpPr>
+        <a:xfrm>
+          <a:off x="0" y="0"/>
+          <a:ext cx="0" cy="0"/>
+          <a:chOff x="0" y="0"/>
+          <a:chExt cx="0" cy="0"/>
+        </a:xfrm>
+      </p:grpSpPr>
+      <p:sp>
+        <p:nvSpPr>
           <p:cNvPr id="296" name="CustomShape 1"/>
           <p:cNvSpPr/>
           <p:nvPr/>
@@ -5067,7 +5896,7 @@
           <a:p>
             <a:fld id="{3509413B-C25F-4AD9-A20B-1B2BD8F7869A}" type="slidenum">
               <a:rPr lang="en-US" smtClean="0"/>
-              <a:t>4</a:t>
+              <a:t>9</a:t>
             </a:fld>
             <a:endParaRPr lang="en-US"/>
           </a:p>
